--- a/Esquema.pptx
+++ b/Esquema.pptx
@@ -2980,8 +2980,8 @@
         </p:nvSpPr>
         <p:spPr>
           <a:xfrm>
-            <a:off x="4260855" y="5730857"/>
-            <a:ext cx="3062521" cy="2031325"/>
+            <a:off x="3863688" y="5962309"/>
+            <a:ext cx="3511545" cy="1754326"/>
           </a:xfrm>
           <a:prstGeom prst="rect">
             <a:avLst/>
@@ -3040,7 +3040,7 @@
             </a:pPr>
             <a:r>
               <a:rPr lang="es-ES" dirty="0"/>
-              <a:t>Zonas de tiro( FGM, FGA, FGP)</a:t>
+              <a:t>Zonas de tiro( FGM, FGA, FGPCT)</a:t>
             </a:r>
           </a:p>
           <a:p>
@@ -3050,15 +3050,7 @@
             </a:pPr>
             <a:r>
               <a:rPr lang="es-ES" dirty="0"/>
-              <a:t>Tiros </a:t>
-            </a:r>
-            <a:r>
-              <a:rPr lang="es-ES" dirty="0" err="1"/>
-              <a:t>defencidos</a:t>
-            </a:r>
-            <a:r>
-              <a:rPr lang="es-ES" dirty="0"/>
-              <a:t> (2pt, 3pt)</a:t>
+              <a:t>Tiros defendidos (2pt, 3pt)</a:t>
             </a:r>
           </a:p>
         </p:txBody>
@@ -3762,8 +3754,8 @@
         </p:nvSpPr>
         <p:spPr>
           <a:xfrm>
-            <a:off x="4063335" y="5560057"/>
-            <a:ext cx="3062521" cy="2501903"/>
+            <a:off x="3711016" y="5560057"/>
+            <a:ext cx="3766743" cy="2501903"/>
           </a:xfrm>
           <a:prstGeom prst="roundRect">
             <a:avLst/>
@@ -4050,6 +4042,7 @@
             </a:extLst>
           </p:cNvPr>
           <p:cNvCxnSpPr>
+            <a:cxnSpLocks/>
             <a:stCxn id="20" idx="2"/>
             <a:endCxn id="25" idx="0"/>
           </p:cNvCxnSpPr>
@@ -4057,8 +4050,8 @@
         </p:nvCxnSpPr>
         <p:spPr>
           <a:xfrm rot="5400000">
-            <a:off x="5459891" y="5424871"/>
-            <a:ext cx="269891" cy="480"/>
+            <a:off x="5459787" y="5424767"/>
+            <a:ext cx="269891" cy="688"/>
           </a:xfrm>
           <a:prstGeom prst="bentConnector3">
             <a:avLst/>

--- a/Esquema.pptx
+++ b/Esquema.pptx
@@ -104,6 +104,11 @@
       </a:defRPr>
     </a:lvl9pPr>
   </p:defaultTextStyle>
+  <p:extLst>
+    <p:ext uri="{EFAFB233-063F-42B5-8137-9DF3F51BA10A}">
+      <p15:sldGuideLst xmlns:p15="http://schemas.microsoft.com/office/powerpoint/2012/main"/>
+    </p:ext>
+  </p:extLst>
 </p:presentation>
 </file>
 
@@ -238,7 +243,7 @@
           <a:p>
             <a:fld id="{C9AC8D45-5363-45A1-9CA1-E79634EF44B0}" type="datetimeFigureOut">
               <a:rPr lang="es-ES" smtClean="0"/>
-              <a:t>04/04/2025</a:t>
+              <a:t>06/04/2025</a:t>
             </a:fld>
             <a:endParaRPr lang="es-ES"/>
           </a:p>
@@ -408,7 +413,7 @@
           <a:p>
             <a:fld id="{C9AC8D45-5363-45A1-9CA1-E79634EF44B0}" type="datetimeFigureOut">
               <a:rPr lang="es-ES" smtClean="0"/>
-              <a:t>04/04/2025</a:t>
+              <a:t>06/04/2025</a:t>
             </a:fld>
             <a:endParaRPr lang="es-ES"/>
           </a:p>
@@ -588,7 +593,7 @@
           <a:p>
             <a:fld id="{C9AC8D45-5363-45A1-9CA1-E79634EF44B0}" type="datetimeFigureOut">
               <a:rPr lang="es-ES" smtClean="0"/>
-              <a:t>04/04/2025</a:t>
+              <a:t>06/04/2025</a:t>
             </a:fld>
             <a:endParaRPr lang="es-ES"/>
           </a:p>
@@ -758,7 +763,7 @@
           <a:p>
             <a:fld id="{C9AC8D45-5363-45A1-9CA1-E79634EF44B0}" type="datetimeFigureOut">
               <a:rPr lang="es-ES" smtClean="0"/>
-              <a:t>04/04/2025</a:t>
+              <a:t>06/04/2025</a:t>
             </a:fld>
             <a:endParaRPr lang="es-ES"/>
           </a:p>
@@ -1002,7 +1007,7 @@
           <a:p>
             <a:fld id="{C9AC8D45-5363-45A1-9CA1-E79634EF44B0}" type="datetimeFigureOut">
               <a:rPr lang="es-ES" smtClean="0"/>
-              <a:t>04/04/2025</a:t>
+              <a:t>06/04/2025</a:t>
             </a:fld>
             <a:endParaRPr lang="es-ES"/>
           </a:p>
@@ -1234,7 +1239,7 @@
           <a:p>
             <a:fld id="{C9AC8D45-5363-45A1-9CA1-E79634EF44B0}" type="datetimeFigureOut">
               <a:rPr lang="es-ES" smtClean="0"/>
-              <a:t>04/04/2025</a:t>
+              <a:t>06/04/2025</a:t>
             </a:fld>
             <a:endParaRPr lang="es-ES"/>
           </a:p>
@@ -1601,7 +1606,7 @@
           <a:p>
             <a:fld id="{C9AC8D45-5363-45A1-9CA1-E79634EF44B0}" type="datetimeFigureOut">
               <a:rPr lang="es-ES" smtClean="0"/>
-              <a:t>04/04/2025</a:t>
+              <a:t>06/04/2025</a:t>
             </a:fld>
             <a:endParaRPr lang="es-ES"/>
           </a:p>
@@ -1719,7 +1724,7 @@
           <a:p>
             <a:fld id="{C9AC8D45-5363-45A1-9CA1-E79634EF44B0}" type="datetimeFigureOut">
               <a:rPr lang="es-ES" smtClean="0"/>
-              <a:t>04/04/2025</a:t>
+              <a:t>06/04/2025</a:t>
             </a:fld>
             <a:endParaRPr lang="es-ES"/>
           </a:p>
@@ -1814,7 +1819,7 @@
           <a:p>
             <a:fld id="{C9AC8D45-5363-45A1-9CA1-E79634EF44B0}" type="datetimeFigureOut">
               <a:rPr lang="es-ES" smtClean="0"/>
-              <a:t>04/04/2025</a:t>
+              <a:t>06/04/2025</a:t>
             </a:fld>
             <a:endParaRPr lang="es-ES"/>
           </a:p>
@@ -2091,7 +2096,7 @@
           <a:p>
             <a:fld id="{C9AC8D45-5363-45A1-9CA1-E79634EF44B0}" type="datetimeFigureOut">
               <a:rPr lang="es-ES" smtClean="0"/>
-              <a:t>04/04/2025</a:t>
+              <a:t>06/04/2025</a:t>
             </a:fld>
             <a:endParaRPr lang="es-ES"/>
           </a:p>
@@ -2348,7 +2353,7 @@
           <a:p>
             <a:fld id="{C9AC8D45-5363-45A1-9CA1-E79634EF44B0}" type="datetimeFigureOut">
               <a:rPr lang="es-ES" smtClean="0"/>
-              <a:t>04/04/2025</a:t>
+              <a:t>06/04/2025</a:t>
             </a:fld>
             <a:endParaRPr lang="es-ES"/>
           </a:p>
@@ -2561,7 +2566,7 @@
           <a:p>
             <a:fld id="{C9AC8D45-5363-45A1-9CA1-E79634EF44B0}" type="datetimeFigureOut">
               <a:rPr lang="es-ES" smtClean="0"/>
-              <a:t>04/04/2025</a:t>
+              <a:t>06/04/2025</a:t>
             </a:fld>
             <a:endParaRPr lang="es-ES"/>
           </a:p>
@@ -2980,8 +2985,8 @@
         </p:nvSpPr>
         <p:spPr>
           <a:xfrm>
-            <a:off x="3863688" y="5962309"/>
-            <a:ext cx="3511545" cy="1754326"/>
+            <a:off x="3863688" y="5760604"/>
+            <a:ext cx="3511545" cy="2031325"/>
           </a:xfrm>
           <a:prstGeom prst="rect">
             <a:avLst/>
@@ -3051,6 +3056,20 @@
             <a:r>
               <a:rPr lang="es-ES" dirty="0"/>
               <a:t>Tiros defendidos (2pt, 3pt)</a:t>
+            </a:r>
+          </a:p>
+          <a:p>
+            <a:pPr marL="285750" indent="-285750">
+              <a:buFont typeface="Arial" panose="020B0604020202020204" pitchFamily="34" charset="0"/>
+              <a:buChar char="•"/>
+            </a:pPr>
+            <a:r>
+              <a:rPr lang="es-ES" dirty="0" err="1"/>
+              <a:t>Boxouts</a:t>
+            </a:r>
+            <a:r>
+              <a:rPr lang="es-ES" dirty="0"/>
+              <a:t> (Ofensivos, Defensivos)</a:t>
             </a:r>
           </a:p>
         </p:txBody>
